--- a/img/圖片.pptx
+++ b/img/圖片.pptx
@@ -7,6 +7,7 @@
   <p:sldIdLst>
     <p:sldId id="257" r:id="rId2"/>
     <p:sldId id="258" r:id="rId3"/>
+    <p:sldId id="259" r:id="rId4"/>
   </p:sldIdLst>
   <p:sldSz cx="12192000" cy="6858000"/>
   <p:notesSz cx="6858000" cy="9144000"/>
@@ -4683,6 +4684,461 @@
 </p:sld>
 </file>
 
+<file path=ppt/slides/slide3.xml><?xml version="1.0" encoding="utf-8"?>
+<p:sld xmlns:a="http://schemas.openxmlformats.org/drawingml/2006/main" xmlns:r="http://schemas.openxmlformats.org/officeDocument/2006/relationships" xmlns:p="http://schemas.openxmlformats.org/presentationml/2006/main">
+  <p:cSld>
+    <p:spTree>
+      <p:nvGrpSpPr>
+        <p:cNvPr id="1" name=""/>
+        <p:cNvGrpSpPr/>
+        <p:nvPr/>
+      </p:nvGrpSpPr>
+      <p:grpSpPr>
+        <a:xfrm>
+          <a:off x="0" y="0"/>
+          <a:ext cx="0" cy="0"/>
+          <a:chOff x="0" y="0"/>
+          <a:chExt cx="0" cy="0"/>
+        </a:xfrm>
+      </p:grpSpPr>
+      <p:pic>
+        <p:nvPicPr>
+          <p:cNvPr id="3" name="圖片 2">
+            <a:extLst>
+              <a:ext uri="{FF2B5EF4-FFF2-40B4-BE49-F238E27FC236}">
+                <a16:creationId xmlns:a16="http://schemas.microsoft.com/office/drawing/2014/main" id="{C4E670E5-B291-42D0-9AB4-8228B7DB3A46}"/>
+              </a:ext>
+            </a:extLst>
+          </p:cNvPr>
+          <p:cNvPicPr>
+            <a:picLocks noChangeAspect="1"/>
+          </p:cNvPicPr>
+          <p:nvPr/>
+        </p:nvPicPr>
+        <p:blipFill>
+          <a:blip r:embed="rId2"/>
+          <a:stretch>
+            <a:fillRect/>
+          </a:stretch>
+        </p:blipFill>
+        <p:spPr>
+          <a:xfrm>
+            <a:off x="3473315" y="2352619"/>
+            <a:ext cx="5245370" cy="2152761"/>
+          </a:xfrm>
+          <a:prstGeom prst="rect">
+            <a:avLst/>
+          </a:prstGeom>
+        </p:spPr>
+      </p:pic>
+      <p:sp>
+        <p:nvSpPr>
+          <p:cNvPr id="4" name="文字方塊 3">
+            <a:extLst>
+              <a:ext uri="{FF2B5EF4-FFF2-40B4-BE49-F238E27FC236}">
+                <a16:creationId xmlns:a16="http://schemas.microsoft.com/office/drawing/2014/main" id="{CCDE4E41-8906-49A8-B2A0-6C0260C42867}"/>
+              </a:ext>
+            </a:extLst>
+          </p:cNvPr>
+          <p:cNvSpPr txBox="1"/>
+          <p:nvPr/>
+        </p:nvSpPr>
+        <p:spPr>
+          <a:xfrm>
+            <a:off x="6603670" y="2460354"/>
+            <a:ext cx="949272" cy="276999"/>
+          </a:xfrm>
+          <a:prstGeom prst="rect">
+            <a:avLst/>
+          </a:prstGeom>
+          <a:noFill/>
+        </p:spPr>
+        <p:txBody>
+          <a:bodyPr wrap="square" rtlCol="0">
+            <a:spAutoFit/>
+          </a:bodyPr>
+          <a:lstStyle/>
+          <a:p>
+            <a:r>
+              <a:rPr lang="en-US" altLang="zh-TW" sz="1200" dirty="0">
+                <a:solidFill>
+                  <a:schemeClr val="accent4">
+                    <a:lumMod val="40000"/>
+                    <a:lumOff val="60000"/>
+                  </a:schemeClr>
+                </a:solidFill>
+              </a:rPr>
+              <a:t>GMAN </a:t>
+            </a:r>
+            <a:endParaRPr lang="zh-TW" altLang="en-US" sz="1200" dirty="0">
+              <a:solidFill>
+                <a:schemeClr val="accent4">
+                  <a:lumMod val="40000"/>
+                  <a:lumOff val="60000"/>
+                </a:schemeClr>
+              </a:solidFill>
+            </a:endParaRPr>
+          </a:p>
+        </p:txBody>
+      </p:sp>
+      <p:sp>
+        <p:nvSpPr>
+          <p:cNvPr id="5" name="文字方塊 4">
+            <a:extLst>
+              <a:ext uri="{FF2B5EF4-FFF2-40B4-BE49-F238E27FC236}">
+                <a16:creationId xmlns:a16="http://schemas.microsoft.com/office/drawing/2014/main" id="{A8915315-2163-45FA-A043-C15F07AAA660}"/>
+              </a:ext>
+            </a:extLst>
+          </p:cNvPr>
+          <p:cNvSpPr txBox="1"/>
+          <p:nvPr/>
+        </p:nvSpPr>
+        <p:spPr>
+          <a:xfrm>
+            <a:off x="6171110" y="2915921"/>
+            <a:ext cx="1814392" cy="276999"/>
+          </a:xfrm>
+          <a:prstGeom prst="rect">
+            <a:avLst/>
+          </a:prstGeom>
+          <a:noFill/>
+        </p:spPr>
+        <p:txBody>
+          <a:bodyPr wrap="square" rtlCol="0">
+            <a:spAutoFit/>
+          </a:bodyPr>
+          <a:lstStyle/>
+          <a:p>
+            <a:r>
+              <a:rPr lang="zh-TW" altLang="en-US" sz="1200" b="1" dirty="0">
+                <a:solidFill>
+                  <a:schemeClr val="accent4">
+                    <a:lumMod val="40000"/>
+                    <a:lumOff val="60000"/>
+                  </a:schemeClr>
+                </a:solidFill>
+              </a:rPr>
+              <a:t>模型放到 </a:t>
+            </a:r>
+            <a:r>
+              <a:rPr lang="en-US" altLang="zh-TW" sz="1200" b="1" dirty="0">
+                <a:solidFill>
+                  <a:schemeClr val="accent4">
+                    <a:lumMod val="40000"/>
+                    <a:lumOff val="60000"/>
+                  </a:schemeClr>
+                </a:solidFill>
+              </a:rPr>
+              <a:t>GPU</a:t>
+            </a:r>
+            <a:endParaRPr lang="zh-TW" altLang="en-US" sz="1200" b="1" dirty="0">
+              <a:solidFill>
+                <a:schemeClr val="accent4">
+                  <a:lumMod val="40000"/>
+                  <a:lumOff val="60000"/>
+                </a:schemeClr>
+              </a:solidFill>
+            </a:endParaRPr>
+          </a:p>
+        </p:txBody>
+      </p:sp>
+      <p:sp>
+        <p:nvSpPr>
+          <p:cNvPr id="6" name="文字方塊 5">
+            <a:extLst>
+              <a:ext uri="{FF2B5EF4-FFF2-40B4-BE49-F238E27FC236}">
+                <a16:creationId xmlns:a16="http://schemas.microsoft.com/office/drawing/2014/main" id="{BB8DE936-BFDF-49EC-92BE-A8A6B4949E5F}"/>
+              </a:ext>
+            </a:extLst>
+          </p:cNvPr>
+          <p:cNvSpPr txBox="1"/>
+          <p:nvPr/>
+        </p:nvSpPr>
+        <p:spPr>
+          <a:xfrm>
+            <a:off x="5853940" y="3338107"/>
+            <a:ext cx="1886718" cy="276999"/>
+          </a:xfrm>
+          <a:prstGeom prst="rect">
+            <a:avLst/>
+          </a:prstGeom>
+          <a:noFill/>
+        </p:spPr>
+        <p:txBody>
+          <a:bodyPr wrap="square" rtlCol="0">
+            <a:spAutoFit/>
+          </a:bodyPr>
+          <a:lstStyle/>
+          <a:p>
+            <a:r>
+              <a:rPr lang="en-US" altLang="zh-TW" sz="1200" b="1" dirty="0">
+                <a:solidFill>
+                  <a:schemeClr val="accent4">
+                    <a:lumMod val="40000"/>
+                    <a:lumOff val="60000"/>
+                  </a:schemeClr>
+                </a:solidFill>
+              </a:rPr>
+              <a:t>Loss function</a:t>
+            </a:r>
+            <a:r>
+              <a:rPr lang="zh-TW" altLang="en-US" sz="1200" b="1" dirty="0">
+                <a:solidFill>
+                  <a:schemeClr val="accent4">
+                    <a:lumMod val="40000"/>
+                    <a:lumOff val="60000"/>
+                  </a:schemeClr>
+                </a:solidFill>
+              </a:rPr>
+              <a:t> </a:t>
+            </a:r>
+            <a:r>
+              <a:rPr lang="en-US" altLang="zh-TW" sz="1200" b="1" dirty="0">
+                <a:solidFill>
+                  <a:schemeClr val="accent4">
+                    <a:lumMod val="40000"/>
+                    <a:lumOff val="60000"/>
+                  </a:schemeClr>
+                </a:solidFill>
+              </a:rPr>
+              <a:t>- MSE</a:t>
+            </a:r>
+            <a:endParaRPr lang="zh-TW" altLang="en-US" sz="1200" b="1" dirty="0">
+              <a:solidFill>
+                <a:schemeClr val="accent4">
+                  <a:lumMod val="40000"/>
+                  <a:lumOff val="60000"/>
+                </a:schemeClr>
+              </a:solidFill>
+            </a:endParaRPr>
+          </a:p>
+        </p:txBody>
+      </p:sp>
+      <p:sp>
+        <p:nvSpPr>
+          <p:cNvPr id="7" name="文字方塊 6">
+            <a:extLst>
+              <a:ext uri="{FF2B5EF4-FFF2-40B4-BE49-F238E27FC236}">
+                <a16:creationId xmlns:a16="http://schemas.microsoft.com/office/drawing/2014/main" id="{D284B38B-D87B-4CCD-8FA3-16CCCB18DCD1}"/>
+              </a:ext>
+            </a:extLst>
+          </p:cNvPr>
+          <p:cNvSpPr txBox="1"/>
+          <p:nvPr/>
+        </p:nvSpPr>
+        <p:spPr>
+          <a:xfrm>
+            <a:off x="4428842" y="3572150"/>
+            <a:ext cx="1886718" cy="276999"/>
+          </a:xfrm>
+          <a:prstGeom prst="rect">
+            <a:avLst/>
+          </a:prstGeom>
+          <a:noFill/>
+        </p:spPr>
+        <p:txBody>
+          <a:bodyPr wrap="square" rtlCol="0">
+            <a:spAutoFit/>
+          </a:bodyPr>
+          <a:lstStyle/>
+          <a:p>
+            <a:r>
+              <a:rPr lang="en-US" altLang="zh-TW" sz="1200" b="1" dirty="0">
+                <a:solidFill>
+                  <a:schemeClr val="accent4">
+                    <a:lumMod val="40000"/>
+                    <a:lumOff val="60000"/>
+                  </a:schemeClr>
+                </a:solidFill>
+              </a:rPr>
+              <a:t>Adam </a:t>
+            </a:r>
+            <a:r>
+              <a:rPr lang="zh-TW" altLang="en-US" sz="1200" b="1" dirty="0">
+                <a:solidFill>
+                  <a:schemeClr val="accent4">
+                    <a:lumMod val="40000"/>
+                    <a:lumOff val="60000"/>
+                  </a:schemeClr>
+                </a:solidFill>
+              </a:rPr>
+              <a:t>優化器</a:t>
+            </a:r>
+          </a:p>
+        </p:txBody>
+      </p:sp>
+      <p:sp>
+        <p:nvSpPr>
+          <p:cNvPr id="8" name="文字方塊 7">
+            <a:extLst>
+              <a:ext uri="{FF2B5EF4-FFF2-40B4-BE49-F238E27FC236}">
+                <a16:creationId xmlns:a16="http://schemas.microsoft.com/office/drawing/2014/main" id="{10ACE1CD-7CCF-43EA-91DE-50EA861F6594}"/>
+              </a:ext>
+            </a:extLst>
+          </p:cNvPr>
+          <p:cNvSpPr txBox="1"/>
+          <p:nvPr/>
+        </p:nvSpPr>
+        <p:spPr>
+          <a:xfrm>
+            <a:off x="4284392" y="4043715"/>
+            <a:ext cx="1953676" cy="461665"/>
+          </a:xfrm>
+          <a:prstGeom prst="rect">
+            <a:avLst/>
+          </a:prstGeom>
+          <a:noFill/>
+        </p:spPr>
+        <p:txBody>
+          <a:bodyPr wrap="square" rtlCol="0">
+            <a:spAutoFit/>
+          </a:bodyPr>
+          <a:lstStyle/>
+          <a:p>
+            <a:r>
+              <a:rPr lang="en-US" altLang="zh-TW" sz="1200" b="1" dirty="0">
+                <a:solidFill>
+                  <a:schemeClr val="accent4">
+                    <a:lumMod val="40000"/>
+                    <a:lumOff val="60000"/>
+                  </a:schemeClr>
+                </a:solidFill>
+              </a:rPr>
+              <a:t>Learning rate </a:t>
+            </a:r>
+            <a:r>
+              <a:rPr lang="zh-TW" altLang="en-US" sz="1200" b="1" dirty="0">
+                <a:solidFill>
+                  <a:schemeClr val="accent4">
+                    <a:lumMod val="40000"/>
+                    <a:lumOff val="60000"/>
+                  </a:schemeClr>
+                </a:solidFill>
+              </a:rPr>
+              <a:t>控制器，</a:t>
+            </a:r>
+            <a:br>
+              <a:rPr lang="en-US" altLang="zh-TW" sz="1200" b="1" dirty="0">
+                <a:solidFill>
+                  <a:schemeClr val="accent4">
+                    <a:lumMod val="40000"/>
+                    <a:lumOff val="60000"/>
+                  </a:schemeClr>
+                </a:solidFill>
+              </a:rPr>
+            </a:br>
+            <a:r>
+              <a:rPr lang="zh-TW" altLang="en-US" sz="1200" b="1" dirty="0">
+                <a:solidFill>
+                  <a:schemeClr val="accent4">
+                    <a:lumMod val="40000"/>
+                    <a:lumOff val="60000"/>
+                  </a:schemeClr>
+                </a:solidFill>
+              </a:rPr>
+              <a:t>每 </a:t>
+            </a:r>
+            <a:r>
+              <a:rPr lang="en-US" altLang="zh-TW" sz="1200" b="1" dirty="0">
+                <a:solidFill>
+                  <a:schemeClr val="accent4">
+                    <a:lumMod val="40000"/>
+                    <a:lumOff val="60000"/>
+                  </a:schemeClr>
+                </a:solidFill>
+              </a:rPr>
+              <a:t>n </a:t>
+            </a:r>
+            <a:r>
+              <a:rPr lang="zh-TW" altLang="en-US" sz="1200" b="1" dirty="0">
+                <a:solidFill>
+                  <a:schemeClr val="accent4">
+                    <a:lumMod val="40000"/>
+                    <a:lumOff val="60000"/>
+                  </a:schemeClr>
+                </a:solidFill>
+              </a:rPr>
+              <a:t>個 </a:t>
+            </a:r>
+            <a:r>
+              <a:rPr lang="en-US" altLang="zh-TW" sz="1200" b="1" dirty="0">
+                <a:solidFill>
+                  <a:schemeClr val="accent4">
+                    <a:lumMod val="40000"/>
+                    <a:lumOff val="60000"/>
+                  </a:schemeClr>
+                </a:solidFill>
+              </a:rPr>
+              <a:t>epoch </a:t>
+            </a:r>
+            <a:r>
+              <a:rPr lang="zh-TW" altLang="en-US" sz="1200" b="1" dirty="0">
+                <a:solidFill>
+                  <a:schemeClr val="accent4">
+                    <a:lumMod val="40000"/>
+                    <a:lumOff val="60000"/>
+                  </a:schemeClr>
+                </a:solidFill>
+              </a:rPr>
+              <a:t>下降</a:t>
+            </a:r>
+            <a:r>
+              <a:rPr lang="en-US" altLang="zh-TW" sz="1200" b="1" dirty="0">
+                <a:solidFill>
+                  <a:schemeClr val="accent4">
+                    <a:lumMod val="40000"/>
+                    <a:lumOff val="60000"/>
+                  </a:schemeClr>
+                </a:solidFill>
+              </a:rPr>
+              <a:t>(</a:t>
+            </a:r>
+            <a:r>
+              <a:rPr lang="zh-TW" altLang="en-US" sz="1200" b="1" dirty="0">
+                <a:solidFill>
+                  <a:schemeClr val="accent4">
+                    <a:lumMod val="40000"/>
+                    <a:lumOff val="60000"/>
+                  </a:schemeClr>
+                </a:solidFill>
+              </a:rPr>
+              <a:t>預設 </a:t>
+            </a:r>
+            <a:r>
+              <a:rPr lang="en-US" altLang="zh-TW" sz="1200" b="1" dirty="0">
+                <a:solidFill>
+                  <a:schemeClr val="accent4">
+                    <a:lumMod val="40000"/>
+                    <a:lumOff val="60000"/>
+                  </a:schemeClr>
+                </a:solidFill>
+              </a:rPr>
+              <a:t>10)</a:t>
+            </a:r>
+            <a:endParaRPr lang="zh-TW" altLang="en-US" sz="1200" b="1" dirty="0">
+              <a:solidFill>
+                <a:schemeClr val="accent4">
+                  <a:lumMod val="40000"/>
+                  <a:lumOff val="60000"/>
+                </a:schemeClr>
+              </a:solidFill>
+            </a:endParaRPr>
+          </a:p>
+        </p:txBody>
+      </p:sp>
+    </p:spTree>
+    <p:extLst>
+      <p:ext uri="{BB962C8B-B14F-4D97-AF65-F5344CB8AC3E}">
+        <p14:creationId xmlns:p14="http://schemas.microsoft.com/office/powerpoint/2010/main" val="2718198047"/>
+      </p:ext>
+    </p:extLst>
+  </p:cSld>
+  <p:clrMapOvr>
+    <a:masterClrMapping/>
+  </p:clrMapOvr>
+</p:sld>
+</file>
+
 <file path=ppt/theme/theme1.xml><?xml version="1.0" encoding="utf-8"?>
 <a:theme xmlns:a="http://schemas.openxmlformats.org/drawingml/2006/main" name="Office 佈景主題">
   <a:themeElements>
